--- a/Week13/06 Pet Park - Create JPA Configuration.pptx
+++ b/Week13/06 Pet Park - Create JPA Configuration.pptx
@@ -116,6 +116,65 @@
 </p:presentation>
 </file>
 
+<file path=ppt/changesInfos/changesInfo1.xml><?xml version="1.0" encoding="utf-8"?>
+<pc:chgInfo xmlns:a="http://schemas.openxmlformats.org/drawingml/2006/main" xmlns:r="http://schemas.openxmlformats.org/officeDocument/2006/relationships" xmlns:ac="http://schemas.microsoft.com/office/drawing/2013/main/command" xmlns:pc="http://schemas.microsoft.com/office/powerpoint/2013/main/command">
+  <pc:docChgLst>
+    <pc:chgData name="Chuck Kiefriter" userId="a996b49251c4dfd2" providerId="LiveId" clId="{76865E3F-35FB-43FE-B680-EA1F899C8712}"/>
+    <pc:docChg chg="modSld">
+      <pc:chgData name="Chuck Kiefriter" userId="a996b49251c4dfd2" providerId="LiveId" clId="{76865E3F-35FB-43FE-B680-EA1F899C8712}" dt="2024-05-01T23:52:24.870" v="3" actId="14100"/>
+      <pc:docMkLst>
+        <pc:docMk/>
+      </pc:docMkLst>
+      <pc:sldChg chg="modSp mod">
+        <pc:chgData name="Chuck Kiefriter" userId="a996b49251c4dfd2" providerId="LiveId" clId="{76865E3F-35FB-43FE-B680-EA1F899C8712}" dt="2024-05-01T23:51:56.383" v="0" actId="14100"/>
+        <pc:sldMkLst>
+          <pc:docMk/>
+          <pc:sldMk cId="1762702625" sldId="257"/>
+        </pc:sldMkLst>
+        <pc:spChg chg="mod">
+          <ac:chgData name="Chuck Kiefriter" userId="a996b49251c4dfd2" providerId="LiveId" clId="{76865E3F-35FB-43FE-B680-EA1F899C8712}" dt="2024-05-01T23:51:56.383" v="0" actId="14100"/>
+          <ac:spMkLst>
+            <pc:docMk/>
+            <pc:sldMk cId="1762702625" sldId="257"/>
+            <ac:spMk id="3" creationId="{871EAACB-59C8-E7AE-9A3B-101EC1A9F1A4}"/>
+          </ac:spMkLst>
+        </pc:spChg>
+      </pc:sldChg>
+      <pc:sldChg chg="modSp mod">
+        <pc:chgData name="Chuck Kiefriter" userId="a996b49251c4dfd2" providerId="LiveId" clId="{76865E3F-35FB-43FE-B680-EA1F899C8712}" dt="2024-05-01T23:52:11.234" v="1" actId="14100"/>
+        <pc:sldMkLst>
+          <pc:docMk/>
+          <pc:sldMk cId="116970741" sldId="259"/>
+        </pc:sldMkLst>
+        <pc:spChg chg="mod">
+          <ac:chgData name="Chuck Kiefriter" userId="a996b49251c4dfd2" providerId="LiveId" clId="{76865E3F-35FB-43FE-B680-EA1F899C8712}" dt="2024-05-01T23:52:11.234" v="1" actId="14100"/>
+          <ac:spMkLst>
+            <pc:docMk/>
+            <pc:sldMk cId="116970741" sldId="259"/>
+            <ac:spMk id="3" creationId="{9DE3587E-DB4D-8F51-6C71-A5FC17C19CC7}"/>
+          </ac:spMkLst>
+        </pc:spChg>
+      </pc:sldChg>
+      <pc:sldChg chg="modSp mod">
+        <pc:chgData name="Chuck Kiefriter" userId="a996b49251c4dfd2" providerId="LiveId" clId="{76865E3F-35FB-43FE-B680-EA1F899C8712}" dt="2024-05-01T23:52:24.870" v="3" actId="14100"/>
+        <pc:sldMkLst>
+          <pc:docMk/>
+          <pc:sldMk cId="3072208106" sldId="260"/>
+        </pc:sldMkLst>
+        <pc:spChg chg="mod">
+          <ac:chgData name="Chuck Kiefriter" userId="a996b49251c4dfd2" providerId="LiveId" clId="{76865E3F-35FB-43FE-B680-EA1F899C8712}" dt="2024-05-01T23:52:24.870" v="3" actId="14100"/>
+          <ac:spMkLst>
+            <pc:docMk/>
+            <pc:sldMk cId="3072208106" sldId="260"/>
+            <ac:spMk id="3" creationId="{25D780A0-95FD-4550-5FA1-2606DDF105F0}"/>
+          </ac:spMkLst>
+        </pc:spChg>
+      </pc:sldChg>
+    </pc:docChg>
+  </pc:docChgLst>
+</pc:chgInfo>
+</file>
+
 <file path=ppt/slideLayouts/slideLayout1.xml><?xml version="1.0" encoding="utf-8"?>
 <p:sldLayout xmlns:a="http://schemas.openxmlformats.org/drawingml/2006/main" xmlns:r="http://schemas.openxmlformats.org/officeDocument/2006/relationships" xmlns:p="http://schemas.openxmlformats.org/presentationml/2006/main" type="title" preserve="1">
   <p:cSld name="Title Slide">
@@ -247,7 +306,7 @@
           <a:p>
             <a:fld id="{ABE7FE4F-CB6F-4AC4-92AB-C5512E87CE2C}" type="datetimeFigureOut">
               <a:rPr lang="en-US" smtClean="0"/>
-              <a:t>10/18/2022</a:t>
+              <a:t>5/1/2024</a:t>
             </a:fld>
             <a:endParaRPr lang="en-US"/>
           </a:p>
@@ -417,7 +476,7 @@
           <a:p>
             <a:fld id="{ABE7FE4F-CB6F-4AC4-92AB-C5512E87CE2C}" type="datetimeFigureOut">
               <a:rPr lang="en-US" smtClean="0"/>
-              <a:t>10/18/2022</a:t>
+              <a:t>5/1/2024</a:t>
             </a:fld>
             <a:endParaRPr lang="en-US"/>
           </a:p>
@@ -597,7 +656,7 @@
           <a:p>
             <a:fld id="{ABE7FE4F-CB6F-4AC4-92AB-C5512E87CE2C}" type="datetimeFigureOut">
               <a:rPr lang="en-US" smtClean="0"/>
-              <a:t>10/18/2022</a:t>
+              <a:t>5/1/2024</a:t>
             </a:fld>
             <a:endParaRPr lang="en-US"/>
           </a:p>
@@ -767,7 +826,7 @@
           <a:p>
             <a:fld id="{ABE7FE4F-CB6F-4AC4-92AB-C5512E87CE2C}" type="datetimeFigureOut">
               <a:rPr lang="en-US" smtClean="0"/>
-              <a:t>10/18/2022</a:t>
+              <a:t>5/1/2024</a:t>
             </a:fld>
             <a:endParaRPr lang="en-US"/>
           </a:p>
@@ -1013,7 +1072,7 @@
           <a:p>
             <a:fld id="{ABE7FE4F-CB6F-4AC4-92AB-C5512E87CE2C}" type="datetimeFigureOut">
               <a:rPr lang="en-US" smtClean="0"/>
-              <a:t>10/18/2022</a:t>
+              <a:t>5/1/2024</a:t>
             </a:fld>
             <a:endParaRPr lang="en-US"/>
           </a:p>
@@ -1245,7 +1304,7 @@
           <a:p>
             <a:fld id="{ABE7FE4F-CB6F-4AC4-92AB-C5512E87CE2C}" type="datetimeFigureOut">
               <a:rPr lang="en-US" smtClean="0"/>
-              <a:t>10/18/2022</a:t>
+              <a:t>5/1/2024</a:t>
             </a:fld>
             <a:endParaRPr lang="en-US"/>
           </a:p>
@@ -1612,7 +1671,7 @@
           <a:p>
             <a:fld id="{ABE7FE4F-CB6F-4AC4-92AB-C5512E87CE2C}" type="datetimeFigureOut">
               <a:rPr lang="en-US" smtClean="0"/>
-              <a:t>10/18/2022</a:t>
+              <a:t>5/1/2024</a:t>
             </a:fld>
             <a:endParaRPr lang="en-US"/>
           </a:p>
@@ -1730,7 +1789,7 @@
           <a:p>
             <a:fld id="{ABE7FE4F-CB6F-4AC4-92AB-C5512E87CE2C}" type="datetimeFigureOut">
               <a:rPr lang="en-US" smtClean="0"/>
-              <a:t>10/18/2022</a:t>
+              <a:t>5/1/2024</a:t>
             </a:fld>
             <a:endParaRPr lang="en-US"/>
           </a:p>
@@ -1825,7 +1884,7 @@
           <a:p>
             <a:fld id="{ABE7FE4F-CB6F-4AC4-92AB-C5512E87CE2C}" type="datetimeFigureOut">
               <a:rPr lang="en-US" smtClean="0"/>
-              <a:t>10/18/2022</a:t>
+              <a:t>5/1/2024</a:t>
             </a:fld>
             <a:endParaRPr lang="en-US"/>
           </a:p>
@@ -2102,7 +2161,7 @@
           <a:p>
             <a:fld id="{ABE7FE4F-CB6F-4AC4-92AB-C5512E87CE2C}" type="datetimeFigureOut">
               <a:rPr lang="en-US" smtClean="0"/>
-              <a:t>10/18/2022</a:t>
+              <a:t>5/1/2024</a:t>
             </a:fld>
             <a:endParaRPr lang="en-US"/>
           </a:p>
@@ -2359,7 +2418,7 @@
           <a:p>
             <a:fld id="{ABE7FE4F-CB6F-4AC4-92AB-C5512E87CE2C}" type="datetimeFigureOut">
               <a:rPr lang="en-US" smtClean="0"/>
-              <a:t>10/18/2022</a:t>
+              <a:t>5/1/2024</a:t>
             </a:fld>
             <a:endParaRPr lang="en-US"/>
           </a:p>
@@ -2572,7 +2631,7 @@
           <a:p>
             <a:fld id="{ABE7FE4F-CB6F-4AC4-92AB-C5512E87CE2C}" type="datetimeFigureOut">
               <a:rPr lang="en-US" smtClean="0"/>
-              <a:t>10/18/2022</a:t>
+              <a:t>5/1/2024</a:t>
             </a:fld>
             <a:endParaRPr lang="en-US"/>
           </a:p>
@@ -3122,7 +3181,7 @@
         <p:spPr>
           <a:xfrm>
             <a:off x="838200" y="1825625"/>
-            <a:ext cx="5257800" cy="4351338"/>
+            <a:ext cx="10920984" cy="4351338"/>
           </a:xfrm>
         </p:spPr>
         <p:txBody>
@@ -3277,7 +3336,7 @@
         <p:spPr>
           <a:xfrm>
             <a:off x="838200" y="1825625"/>
-            <a:ext cx="6231340" cy="4351338"/>
+            <a:ext cx="10582656" cy="4351338"/>
           </a:xfrm>
         </p:spPr>
         <p:txBody>
@@ -3444,8 +3503,8 @@
         </p:nvSpPr>
         <p:spPr>
           <a:xfrm>
-            <a:off x="838200" y="1825625"/>
-            <a:ext cx="5671782" cy="4351338"/>
+            <a:off x="838200" y="1807337"/>
+            <a:ext cx="10088880" cy="4351338"/>
           </a:xfrm>
         </p:spPr>
         <p:txBody>
